--- a/trunk/preliminary/Open Event Machine.pptx
+++ b/trunk/preliminary/Open Event Machine.pptx
@@ -4706,7 +4706,7 @@
               <a:pPr>
                 <a:defRPr/>
               </a:pPr>
-              <a:t>9/13/2012</a:t>
+              <a:t>10/4/2012</a:t>
             </a:fld>
             <a:endParaRPr lang="en-US" dirty="0"/>
           </a:p>
@@ -4908,7 +4908,7 @@
               <a:pPr>
                 <a:defRPr/>
               </a:pPr>
-              <a:t>9/13/2012</a:t>
+              <a:t>10/4/2012</a:t>
             </a:fld>
             <a:endParaRPr lang="en-US" dirty="0"/>
           </a:p>
@@ -5058,7 +5058,7 @@
               <a:pPr>
                 <a:defRPr/>
               </a:pPr>
-              <a:t>9/13/2012</a:t>
+              <a:t>10/4/2012</a:t>
             </a:fld>
             <a:endParaRPr lang="en-US" dirty="0"/>
           </a:p>
@@ -5185,7 +5185,7 @@
               <a:pPr>
                 <a:defRPr/>
               </a:pPr>
-              <a:t>9/13/2012</a:t>
+              <a:t>10/4/2012</a:t>
             </a:fld>
             <a:endParaRPr lang="en-US" dirty="0"/>
           </a:p>
@@ -5494,7 +5494,7 @@
               <a:pPr>
                 <a:defRPr/>
               </a:pPr>
-              <a:t>9/13/2012</a:t>
+              <a:t>10/4/2012</a:t>
             </a:fld>
             <a:endParaRPr lang="en-US" dirty="0"/>
           </a:p>
@@ -5780,7 +5780,7 @@
               <a:pPr>
                 <a:defRPr/>
               </a:pPr>
-              <a:t>9/13/2012</a:t>
+              <a:t>10/4/2012</a:t>
             </a:fld>
             <a:endParaRPr lang="en-US" dirty="0"/>
           </a:p>
@@ -5982,7 +5982,7 @@
               <a:pPr>
                 <a:defRPr/>
               </a:pPr>
-              <a:t>9/13/2012</a:t>
+              <a:t>10/4/2012</a:t>
             </a:fld>
             <a:endParaRPr lang="en-US" dirty="0"/>
           </a:p>
@@ -6194,7 +6194,7 @@
               <a:pPr>
                 <a:defRPr/>
               </a:pPr>
-              <a:t>9/13/2012</a:t>
+              <a:t>10/4/2012</a:t>
             </a:fld>
             <a:endParaRPr lang="en-US" dirty="0"/>
           </a:p>
@@ -6504,7 +6504,7 @@
               <a:pPr>
                 <a:defRPr/>
               </a:pPr>
-              <a:t>9/13/2012</a:t>
+              <a:t>10/4/2012</a:t>
             </a:fld>
             <a:endParaRPr lang="en-US" dirty="0"/>
           </a:p>
@@ -6715,7 +6715,7 @@
               <a:pPr>
                 <a:defRPr/>
               </a:pPr>
-              <a:t>9/13/2012</a:t>
+              <a:t>10/4/2012</a:t>
             </a:fld>
             <a:endParaRPr lang="en-US" dirty="0"/>
           </a:p>
@@ -6939,7 +6939,7 @@
               <a:pPr>
                 <a:defRPr/>
               </a:pPr>
-              <a:t>9/13/2012</a:t>
+              <a:t>10/4/2012</a:t>
             </a:fld>
             <a:endParaRPr lang="en-US" dirty="0"/>
           </a:p>
@@ -7259,7 +7259,7 @@
               <a:pPr>
                 <a:defRPr/>
               </a:pPr>
-              <a:t>9/13/2012</a:t>
+              <a:t>10/4/2012</a:t>
             </a:fld>
             <a:endParaRPr lang="en-US" dirty="0"/>
           </a:p>
@@ -7471,7 +7471,7 @@
               <a:pPr>
                 <a:defRPr/>
               </a:pPr>
-              <a:t>9/13/2012</a:t>
+              <a:t>10/4/2012</a:t>
             </a:fld>
             <a:endParaRPr lang="en-US" dirty="0"/>
           </a:p>
@@ -7930,7 +7930,7 @@
               <a:pPr>
                 <a:defRPr/>
               </a:pPr>
-              <a:t>9/13/2012</a:t>
+              <a:t>10/4/2012</a:t>
             </a:fld>
             <a:endParaRPr lang="en-US" dirty="0"/>
           </a:p>
@@ -8080,7 +8080,7 @@
               <a:pPr>
                 <a:defRPr/>
               </a:pPr>
-              <a:t>9/13/2012</a:t>
+              <a:t>10/4/2012</a:t>
             </a:fld>
             <a:endParaRPr lang="en-US" dirty="0"/>
           </a:p>
@@ -8207,7 +8207,7 @@
               <a:pPr>
                 <a:defRPr/>
               </a:pPr>
-              <a:t>9/13/2012</a:t>
+              <a:t>10/4/2012</a:t>
             </a:fld>
             <a:endParaRPr lang="en-US" dirty="0"/>
           </a:p>
@@ -8516,7 +8516,7 @@
               <a:pPr>
                 <a:defRPr/>
               </a:pPr>
-              <a:t>9/13/2012</a:t>
+              <a:t>10/4/2012</a:t>
             </a:fld>
             <a:endParaRPr lang="en-US" dirty="0"/>
           </a:p>
@@ -8802,7 +8802,7 @@
               <a:pPr>
                 <a:defRPr/>
               </a:pPr>
-              <a:t>9/13/2012</a:t>
+              <a:t>10/4/2012</a:t>
             </a:fld>
             <a:endParaRPr lang="en-US" dirty="0"/>
           </a:p>
@@ -9004,7 +9004,7 @@
               <a:pPr>
                 <a:defRPr/>
               </a:pPr>
-              <a:t>9/13/2012</a:t>
+              <a:t>10/4/2012</a:t>
             </a:fld>
             <a:endParaRPr lang="en-US" dirty="0"/>
           </a:p>
@@ -9216,7 +9216,7 @@
               <a:pPr>
                 <a:defRPr/>
               </a:pPr>
-              <a:t>9/13/2012</a:t>
+              <a:t>10/4/2012</a:t>
             </a:fld>
             <a:endParaRPr lang="en-US" dirty="0"/>
           </a:p>
@@ -9436,7 +9436,7 @@
               <a:pPr>
                 <a:defRPr/>
               </a:pPr>
-              <a:t>9/13/2012</a:t>
+              <a:t>10/4/2012</a:t>
             </a:fld>
             <a:endParaRPr lang="en-US" dirty="0"/>
           </a:p>
@@ -9638,7 +9638,7 @@
               <a:pPr>
                 <a:defRPr/>
               </a:pPr>
-              <a:t>9/13/2012</a:t>
+              <a:t>10/4/2012</a:t>
             </a:fld>
             <a:endParaRPr lang="en-US" dirty="0"/>
           </a:p>
@@ -9862,7 +9862,7 @@
               <a:pPr>
                 <a:defRPr/>
               </a:pPr>
-              <a:t>9/13/2012</a:t>
+              <a:t>10/4/2012</a:t>
             </a:fld>
             <a:endParaRPr lang="en-US" dirty="0"/>
           </a:p>
@@ -10182,7 +10182,7 @@
               <a:pPr>
                 <a:defRPr/>
               </a:pPr>
-              <a:t>9/13/2012</a:t>
+              <a:t>10/4/2012</a:t>
             </a:fld>
             <a:endParaRPr lang="en-US" dirty="0"/>
           </a:p>
@@ -10641,7 +10641,7 @@
               <a:pPr>
                 <a:defRPr/>
               </a:pPr>
-              <a:t>9/13/2012</a:t>
+              <a:t>10/4/2012</a:t>
             </a:fld>
             <a:endParaRPr lang="en-US" dirty="0"/>
           </a:p>
@@ -10791,7 +10791,7 @@
               <a:pPr>
                 <a:defRPr/>
               </a:pPr>
-              <a:t>9/13/2012</a:t>
+              <a:t>10/4/2012</a:t>
             </a:fld>
             <a:endParaRPr lang="en-US" dirty="0"/>
           </a:p>
@@ -10918,7 +10918,7 @@
               <a:pPr>
                 <a:defRPr/>
               </a:pPr>
-              <a:t>9/13/2012</a:t>
+              <a:t>10/4/2012</a:t>
             </a:fld>
             <a:endParaRPr lang="en-US" dirty="0"/>
           </a:p>
@@ -11227,7 +11227,7 @@
               <a:pPr>
                 <a:defRPr/>
               </a:pPr>
-              <a:t>9/13/2012</a:t>
+              <a:t>10/4/2012</a:t>
             </a:fld>
             <a:endParaRPr lang="en-US" dirty="0"/>
           </a:p>
@@ -11429,7 +11429,7 @@
               <a:pPr>
                 <a:defRPr/>
               </a:pPr>
-              <a:t>9/13/2012</a:t>
+              <a:t>10/4/2012</a:t>
             </a:fld>
             <a:endParaRPr lang="en-US" dirty="0"/>
           </a:p>
@@ -11715,7 +11715,7 @@
               <a:pPr>
                 <a:defRPr/>
               </a:pPr>
-              <a:t>9/13/2012</a:t>
+              <a:t>10/4/2012</a:t>
             </a:fld>
             <a:endParaRPr lang="en-US" dirty="0"/>
           </a:p>
@@ -11917,7 +11917,7 @@
               <a:pPr>
                 <a:defRPr/>
               </a:pPr>
-              <a:t>9/13/2012</a:t>
+              <a:t>10/4/2012</a:t>
             </a:fld>
             <a:endParaRPr lang="en-US" dirty="0"/>
           </a:p>
@@ -12129,7 +12129,7 @@
               <a:pPr>
                 <a:defRPr/>
               </a:pPr>
-              <a:t>9/13/2012</a:t>
+              <a:t>10/4/2012</a:t>
             </a:fld>
             <a:endParaRPr lang="en-US" dirty="0"/>
           </a:p>
@@ -12467,7 +12467,7 @@
               <a:pPr>
                 <a:defRPr/>
               </a:pPr>
-              <a:t>9/13/2012</a:t>
+              <a:t>10/4/2012</a:t>
             </a:fld>
             <a:endParaRPr lang="en-US" dirty="0"/>
           </a:p>
@@ -12670,7 +12670,7 @@
               <a:pPr>
                 <a:defRPr/>
               </a:pPr>
-              <a:t>9/13/2012</a:t>
+              <a:t>10/4/2012</a:t>
             </a:fld>
             <a:endParaRPr lang="en-US" dirty="0"/>
           </a:p>
@@ -12894,7 +12894,7 @@
               <a:pPr>
                 <a:defRPr/>
               </a:pPr>
-              <a:t>9/13/2012</a:t>
+              <a:t>10/4/2012</a:t>
             </a:fld>
             <a:endParaRPr lang="en-US" dirty="0"/>
           </a:p>
@@ -13214,7 +13214,7 @@
               <a:pPr>
                 <a:defRPr/>
               </a:pPr>
-              <a:t>9/13/2012</a:t>
+              <a:t>10/4/2012</a:t>
             </a:fld>
             <a:endParaRPr lang="en-US" dirty="0"/>
           </a:p>
@@ -13673,7 +13673,7 @@
               <a:pPr>
                 <a:defRPr/>
               </a:pPr>
-              <a:t>9/13/2012</a:t>
+              <a:t>10/4/2012</a:t>
             </a:fld>
             <a:endParaRPr lang="en-US" dirty="0"/>
           </a:p>
@@ -13823,7 +13823,7 @@
               <a:pPr>
                 <a:defRPr/>
               </a:pPr>
-              <a:t>9/13/2012</a:t>
+              <a:t>10/4/2012</a:t>
             </a:fld>
             <a:endParaRPr lang="en-US" dirty="0"/>
           </a:p>
@@ -13950,7 +13950,7 @@
               <a:pPr>
                 <a:defRPr/>
               </a:pPr>
-              <a:t>9/13/2012</a:t>
+              <a:t>10/4/2012</a:t>
             </a:fld>
             <a:endParaRPr lang="en-US" dirty="0"/>
           </a:p>
@@ -14174,7 +14174,7 @@
               <a:pPr>
                 <a:defRPr/>
               </a:pPr>
-              <a:t>9/13/2012</a:t>
+              <a:t>10/4/2012</a:t>
             </a:fld>
             <a:endParaRPr lang="en-US" dirty="0"/>
           </a:p>
@@ -14483,7 +14483,7 @@
               <a:pPr>
                 <a:defRPr/>
               </a:pPr>
-              <a:t>9/13/2012</a:t>
+              <a:t>10/4/2012</a:t>
             </a:fld>
             <a:endParaRPr lang="en-US" dirty="0"/>
           </a:p>
@@ -14769,7 +14769,7 @@
               <a:pPr>
                 <a:defRPr/>
               </a:pPr>
-              <a:t>9/13/2012</a:t>
+              <a:t>10/4/2012</a:t>
             </a:fld>
             <a:endParaRPr lang="en-US" dirty="0"/>
           </a:p>
@@ -14971,7 +14971,7 @@
               <a:pPr>
                 <a:defRPr/>
               </a:pPr>
-              <a:t>9/13/2012</a:t>
+              <a:t>10/4/2012</a:t>
             </a:fld>
             <a:endParaRPr lang="en-US" dirty="0"/>
           </a:p>
@@ -15183,7 +15183,7 @@
               <a:pPr>
                 <a:defRPr/>
               </a:pPr>
-              <a:t>9/13/2012</a:t>
+              <a:t>10/4/2012</a:t>
             </a:fld>
             <a:endParaRPr lang="en-US" dirty="0"/>
           </a:p>
@@ -15455,7 +15455,7 @@
               <a:pPr>
                 <a:defRPr/>
               </a:pPr>
-              <a:t>9/13/2012</a:t>
+              <a:t>10/4/2012</a:t>
             </a:fld>
             <a:endParaRPr lang="en-US" dirty="0"/>
           </a:p>
@@ -15722,7 +15722,7 @@
               <a:pPr>
                 <a:defRPr/>
               </a:pPr>
-              <a:t>9/13/2012</a:t>
+              <a:t>10/4/2012</a:t>
             </a:fld>
             <a:endParaRPr lang="en-US" dirty="0"/>
           </a:p>
@@ -15920,7 +15920,7 @@
               <a:pPr>
                 <a:defRPr/>
               </a:pPr>
-              <a:t>9/13/2012</a:t>
+              <a:t>10/4/2012</a:t>
             </a:fld>
             <a:endParaRPr lang="en-US" dirty="0"/>
           </a:p>
@@ -16144,7 +16144,7 @@
               <a:pPr>
                 <a:defRPr/>
               </a:pPr>
-              <a:t>9/13/2012</a:t>
+              <a:t>10/4/2012</a:t>
             </a:fld>
             <a:endParaRPr lang="en-US" dirty="0"/>
           </a:p>
@@ -16464,7 +16464,7 @@
               <a:pPr>
                 <a:defRPr/>
               </a:pPr>
-              <a:t>9/13/2012</a:t>
+              <a:t>10/4/2012</a:t>
             </a:fld>
             <a:endParaRPr lang="en-US" dirty="0"/>
           </a:p>
@@ -16923,7 +16923,7 @@
               <a:pPr>
                 <a:defRPr/>
               </a:pPr>
-              <a:t>9/13/2012</a:t>
+              <a:t>10/4/2012</a:t>
             </a:fld>
             <a:endParaRPr lang="en-US" dirty="0"/>
           </a:p>
@@ -17243,7 +17243,7 @@
               <a:pPr>
                 <a:defRPr/>
               </a:pPr>
-              <a:t>9/13/2012</a:t>
+              <a:t>10/4/2012</a:t>
             </a:fld>
             <a:endParaRPr lang="en-US" dirty="0"/>
           </a:p>
@@ -17393,7 +17393,7 @@
               <a:pPr>
                 <a:defRPr/>
               </a:pPr>
-              <a:t>9/13/2012</a:t>
+              <a:t>10/4/2012</a:t>
             </a:fld>
             <a:endParaRPr lang="en-US" dirty="0"/>
           </a:p>
@@ -17520,7 +17520,7 @@
               <a:pPr>
                 <a:defRPr/>
               </a:pPr>
-              <a:t>9/13/2012</a:t>
+              <a:t>10/4/2012</a:t>
             </a:fld>
             <a:endParaRPr lang="en-US" dirty="0"/>
           </a:p>
@@ -17829,7 +17829,7 @@
               <a:pPr>
                 <a:defRPr/>
               </a:pPr>
-              <a:t>9/13/2012</a:t>
+              <a:t>10/4/2012</a:t>
             </a:fld>
             <a:endParaRPr lang="en-US" dirty="0"/>
           </a:p>
@@ -18115,7 +18115,7 @@
               <a:pPr>
                 <a:defRPr/>
               </a:pPr>
-              <a:t>9/13/2012</a:t>
+              <a:t>10/4/2012</a:t>
             </a:fld>
             <a:endParaRPr lang="en-US" dirty="0"/>
           </a:p>
@@ -18317,7 +18317,7 @@
               <a:pPr>
                 <a:defRPr/>
               </a:pPr>
-              <a:t>9/13/2012</a:t>
+              <a:t>10/4/2012</a:t>
             </a:fld>
             <a:endParaRPr lang="en-US" dirty="0"/>
           </a:p>
@@ -18529,7 +18529,7 @@
               <a:pPr>
                 <a:defRPr/>
               </a:pPr>
-              <a:t>9/13/2012</a:t>
+              <a:t>10/4/2012</a:t>
             </a:fld>
             <a:endParaRPr lang="en-US" dirty="0"/>
           </a:p>
@@ -18787,7 +18787,7 @@
               <a:pPr>
                 <a:defRPr/>
               </a:pPr>
-              <a:t>9/13/2012</a:t>
+              <a:t>10/4/2012</a:t>
             </a:fld>
             <a:endParaRPr lang="en-US" dirty="0"/>
           </a:p>
@@ -18985,7 +18985,7 @@
               <a:pPr>
                 <a:defRPr/>
               </a:pPr>
-              <a:t>9/13/2012</a:t>
+              <a:t>10/4/2012</a:t>
             </a:fld>
             <a:endParaRPr lang="en-US" dirty="0"/>
           </a:p>
@@ -19209,7 +19209,7 @@
               <a:pPr>
                 <a:defRPr/>
               </a:pPr>
-              <a:t>9/13/2012</a:t>
+              <a:t>10/4/2012</a:t>
             </a:fld>
             <a:endParaRPr lang="en-US" dirty="0"/>
           </a:p>
@@ -19529,7 +19529,7 @@
               <a:pPr>
                 <a:defRPr/>
               </a:pPr>
-              <a:t>9/13/2012</a:t>
+              <a:t>10/4/2012</a:t>
             </a:fld>
             <a:endParaRPr lang="en-US" dirty="0"/>
           </a:p>
@@ -19988,7 +19988,7 @@
               <a:pPr>
                 <a:defRPr/>
               </a:pPr>
-              <a:t>9/13/2012</a:t>
+              <a:t>10/4/2012</a:t>
             </a:fld>
             <a:endParaRPr lang="en-US" dirty="0"/>
           </a:p>
@@ -20447,7 +20447,7 @@
               <a:pPr>
                 <a:defRPr/>
               </a:pPr>
-              <a:t>9/13/2012</a:t>
+              <a:t>10/4/2012</a:t>
             </a:fld>
             <a:endParaRPr lang="en-US" dirty="0"/>
           </a:p>
@@ -20597,7 +20597,7 @@
               <a:pPr>
                 <a:defRPr/>
               </a:pPr>
-              <a:t>9/13/2012</a:t>
+              <a:t>10/4/2012</a:t>
             </a:fld>
             <a:endParaRPr lang="en-US" dirty="0"/>
           </a:p>
@@ -20724,7 +20724,7 @@
               <a:pPr>
                 <a:defRPr/>
               </a:pPr>
-              <a:t>9/13/2012</a:t>
+              <a:t>10/4/2012</a:t>
             </a:fld>
             <a:endParaRPr lang="en-US" dirty="0"/>
           </a:p>
@@ -21033,7 +21033,7 @@
               <a:pPr>
                 <a:defRPr/>
               </a:pPr>
-              <a:t>9/13/2012</a:t>
+              <a:t>10/4/2012</a:t>
             </a:fld>
             <a:endParaRPr lang="en-US" dirty="0"/>
           </a:p>
@@ -21319,7 +21319,7 @@
               <a:pPr>
                 <a:defRPr/>
               </a:pPr>
-              <a:t>9/13/2012</a:t>
+              <a:t>10/4/2012</a:t>
             </a:fld>
             <a:endParaRPr lang="en-US" dirty="0"/>
           </a:p>
@@ -21521,7 +21521,7 @@
               <a:pPr>
                 <a:defRPr/>
               </a:pPr>
-              <a:t>9/13/2012</a:t>
+              <a:t>10/4/2012</a:t>
             </a:fld>
             <a:endParaRPr lang="en-US" dirty="0"/>
           </a:p>
@@ -21733,7 +21733,7 @@
               <a:pPr>
                 <a:defRPr/>
               </a:pPr>
-              <a:t>9/13/2012</a:t>
+              <a:t>10/4/2012</a:t>
             </a:fld>
             <a:endParaRPr lang="en-US" dirty="0"/>
           </a:p>
@@ -21991,7 +21991,7 @@
               <a:pPr>
                 <a:defRPr/>
               </a:pPr>
-              <a:t>9/13/2012</a:t>
+              <a:t>10/4/2012</a:t>
             </a:fld>
             <a:endParaRPr lang="en-US" dirty="0"/>
           </a:p>
@@ -22189,7 +22189,7 @@
               <a:pPr>
                 <a:defRPr/>
               </a:pPr>
-              <a:t>9/13/2012</a:t>
+              <a:t>10/4/2012</a:t>
             </a:fld>
             <a:endParaRPr lang="en-US" dirty="0"/>
           </a:p>
@@ -22413,7 +22413,7 @@
               <a:pPr>
                 <a:defRPr/>
               </a:pPr>
-              <a:t>9/13/2012</a:t>
+              <a:t>10/4/2012</a:t>
             </a:fld>
             <a:endParaRPr lang="en-US" dirty="0"/>
           </a:p>
@@ -22563,7 +22563,7 @@
               <a:pPr>
                 <a:defRPr/>
               </a:pPr>
-              <a:t>9/13/2012</a:t>
+              <a:t>10/4/2012</a:t>
             </a:fld>
             <a:endParaRPr lang="en-US" dirty="0"/>
           </a:p>
@@ -22883,7 +22883,7 @@
               <a:pPr>
                 <a:defRPr/>
               </a:pPr>
-              <a:t>9/13/2012</a:t>
+              <a:t>10/4/2012</a:t>
             </a:fld>
             <a:endParaRPr lang="en-US" dirty="0"/>
           </a:p>
@@ -23342,7 +23342,7 @@
               <a:pPr>
                 <a:defRPr/>
               </a:pPr>
-              <a:t>9/13/2012</a:t>
+              <a:t>10/4/2012</a:t>
             </a:fld>
             <a:endParaRPr lang="en-US" dirty="0"/>
           </a:p>
@@ -23492,7 +23492,7 @@
               <a:pPr>
                 <a:defRPr/>
               </a:pPr>
-              <a:t>9/13/2012</a:t>
+              <a:t>10/4/2012</a:t>
             </a:fld>
             <a:endParaRPr lang="en-US" dirty="0"/>
           </a:p>
@@ -23619,7 +23619,7 @@
               <a:pPr>
                 <a:defRPr/>
               </a:pPr>
-              <a:t>9/13/2012</a:t>
+              <a:t>10/4/2012</a:t>
             </a:fld>
             <a:endParaRPr lang="en-US" dirty="0"/>
           </a:p>
@@ -23928,7 +23928,7 @@
               <a:pPr>
                 <a:defRPr/>
               </a:pPr>
-              <a:t>9/13/2012</a:t>
+              <a:t>10/4/2012</a:t>
             </a:fld>
             <a:endParaRPr lang="en-US" dirty="0"/>
           </a:p>
@@ -24214,7 +24214,7 @@
               <a:pPr>
                 <a:defRPr/>
               </a:pPr>
-              <a:t>9/13/2012</a:t>
+              <a:t>10/4/2012</a:t>
             </a:fld>
             <a:endParaRPr lang="en-US" dirty="0"/>
           </a:p>
@@ -24416,7 +24416,7 @@
               <a:pPr>
                 <a:defRPr/>
               </a:pPr>
-              <a:t>9/13/2012</a:t>
+              <a:t>10/4/2012</a:t>
             </a:fld>
             <a:endParaRPr lang="en-US" dirty="0"/>
           </a:p>
@@ -24628,7 +24628,7 @@
               <a:pPr>
                 <a:defRPr/>
               </a:pPr>
-              <a:t>9/13/2012</a:t>
+              <a:t>10/4/2012</a:t>
             </a:fld>
             <a:endParaRPr lang="en-US" dirty="0"/>
           </a:p>
@@ -25010,7 +25010,7 @@
               <a:pPr>
                 <a:defRPr/>
               </a:pPr>
-              <a:t>9/13/2012</a:t>
+              <a:t>10/4/2012</a:t>
             </a:fld>
             <a:endParaRPr lang="en-US" dirty="0"/>
           </a:p>
@@ -25208,7 +25208,7 @@
               <a:pPr>
                 <a:defRPr/>
               </a:pPr>
-              <a:t>9/13/2012</a:t>
+              <a:t>10/4/2012</a:t>
             </a:fld>
             <a:endParaRPr lang="en-US" dirty="0"/>
           </a:p>
@@ -25335,7 +25335,7 @@
               <a:pPr>
                 <a:defRPr/>
               </a:pPr>
-              <a:t>9/13/2012</a:t>
+              <a:t>10/4/2012</a:t>
             </a:fld>
             <a:endParaRPr lang="en-US" dirty="0"/>
           </a:p>
@@ -25559,7 +25559,7 @@
               <a:pPr>
                 <a:defRPr/>
               </a:pPr>
-              <a:t>9/13/2012</a:t>
+              <a:t>10/4/2012</a:t>
             </a:fld>
             <a:endParaRPr lang="en-US" dirty="0"/>
           </a:p>
@@ -25879,7 +25879,7 @@
               <a:pPr>
                 <a:defRPr/>
               </a:pPr>
-              <a:t>9/13/2012</a:t>
+              <a:t>10/4/2012</a:t>
             </a:fld>
             <a:endParaRPr lang="en-US" dirty="0"/>
           </a:p>
@@ -26338,7 +26338,7 @@
               <a:pPr>
                 <a:defRPr/>
               </a:pPr>
-              <a:t>9/13/2012</a:t>
+              <a:t>10/4/2012</a:t>
             </a:fld>
             <a:endParaRPr lang="en-US" dirty="0"/>
           </a:p>
@@ -26488,7 +26488,7 @@
               <a:pPr>
                 <a:defRPr/>
               </a:pPr>
-              <a:t>9/13/2012</a:t>
+              <a:t>10/4/2012</a:t>
             </a:fld>
             <a:endParaRPr lang="en-US" dirty="0"/>
           </a:p>
@@ -26615,7 +26615,7 @@
               <a:pPr>
                 <a:defRPr/>
               </a:pPr>
-              <a:t>9/13/2012</a:t>
+              <a:t>10/4/2012</a:t>
             </a:fld>
             <a:endParaRPr lang="en-US" dirty="0"/>
           </a:p>
@@ -26924,7 +26924,7 @@
               <a:pPr>
                 <a:defRPr/>
               </a:pPr>
-              <a:t>9/13/2012</a:t>
+              <a:t>10/4/2012</a:t>
             </a:fld>
             <a:endParaRPr lang="en-US" dirty="0"/>
           </a:p>
@@ -27210,7 +27210,7 @@
               <a:pPr>
                 <a:defRPr/>
               </a:pPr>
-              <a:t>9/13/2012</a:t>
+              <a:t>10/4/2012</a:t>
             </a:fld>
             <a:endParaRPr lang="en-US" dirty="0"/>
           </a:p>
@@ -27412,7 +27412,7 @@
               <a:pPr>
                 <a:defRPr/>
               </a:pPr>
-              <a:t>9/13/2012</a:t>
+              <a:t>10/4/2012</a:t>
             </a:fld>
             <a:endParaRPr lang="en-US" dirty="0"/>
           </a:p>
@@ -27624,7 +27624,7 @@
               <a:pPr>
                 <a:defRPr/>
               </a:pPr>
-              <a:t>9/13/2012</a:t>
+              <a:t>10/4/2012</a:t>
             </a:fld>
             <a:endParaRPr lang="en-US" dirty="0"/>
           </a:p>
@@ -27893,7 +27893,7 @@
               <a:pPr>
                 <a:defRPr/>
               </a:pPr>
-              <a:t>9/13/2012</a:t>
+              <a:t>10/4/2012</a:t>
             </a:fld>
             <a:endParaRPr lang="en-US" dirty="0"/>
           </a:p>
@@ -28202,7 +28202,7 @@
               <a:pPr>
                 <a:defRPr/>
               </a:pPr>
-              <a:t>9/13/2012</a:t>
+              <a:t>10/4/2012</a:t>
             </a:fld>
             <a:endParaRPr lang="en-US" dirty="0"/>
           </a:p>
@@ -28471,7 +28471,7 @@
               <a:pPr>
                 <a:defRPr/>
               </a:pPr>
-              <a:t>9/13/2012</a:t>
+              <a:t>10/4/2012</a:t>
             </a:fld>
             <a:endParaRPr lang="en-US" dirty="0"/>
           </a:p>
@@ -28740,7 +28740,7 @@
               <a:pPr>
                 <a:defRPr/>
               </a:pPr>
-              <a:t>9/13/2012</a:t>
+              <a:t>10/4/2012</a:t>
             </a:fld>
             <a:endParaRPr lang="en-US" dirty="0"/>
           </a:p>
@@ -29066,7 +29066,7 @@
               <a:pPr>
                 <a:defRPr/>
               </a:pPr>
-              <a:t>9/13/2012</a:t>
+              <a:t>10/4/2012</a:t>
             </a:fld>
             <a:endParaRPr lang="en-US" dirty="0"/>
           </a:p>
@@ -29335,7 +29335,7 @@
               <a:pPr>
                 <a:defRPr/>
               </a:pPr>
-              <a:t>9/13/2012</a:t>
+              <a:t>10/4/2012</a:t>
             </a:fld>
             <a:endParaRPr lang="en-US" dirty="0"/>
           </a:p>
@@ -29637,7 +29637,7 @@
               <a:pPr>
                 <a:defRPr/>
               </a:pPr>
-              <a:t>9/13/2012</a:t>
+              <a:t>10/4/2012</a:t>
             </a:fld>
             <a:endParaRPr lang="en-US" dirty="0"/>
           </a:p>
@@ -29835,7 +29835,7 @@
               <a:pPr>
                 <a:defRPr/>
               </a:pPr>
-              <a:t>9/13/2012</a:t>
+              <a:t>10/4/2012</a:t>
             </a:fld>
             <a:endParaRPr lang="en-US" dirty="0"/>
           </a:p>
@@ -30059,7 +30059,7 @@
               <a:pPr>
                 <a:defRPr/>
               </a:pPr>
-              <a:t>9/13/2012</a:t>
+              <a:t>10/4/2012</a:t>
             </a:fld>
             <a:endParaRPr lang="en-US" dirty="0"/>
           </a:p>
@@ -30379,7 +30379,7 @@
               <a:pPr>
                 <a:defRPr/>
               </a:pPr>
-              <a:t>9/13/2012</a:t>
+              <a:t>10/4/2012</a:t>
             </a:fld>
             <a:endParaRPr lang="en-US" dirty="0"/>
           </a:p>
@@ -30838,7 +30838,7 @@
               <a:pPr>
                 <a:defRPr/>
               </a:pPr>
-              <a:t>9/13/2012</a:t>
+              <a:t>10/4/2012</a:t>
             </a:fld>
             <a:endParaRPr lang="en-US" dirty="0"/>
           </a:p>
@@ -30988,7 +30988,7 @@
               <a:pPr>
                 <a:defRPr/>
               </a:pPr>
-              <a:t>9/13/2012</a:t>
+              <a:t>10/4/2012</a:t>
             </a:fld>
             <a:endParaRPr lang="en-US" dirty="0"/>
           </a:p>
@@ -31274,7 +31274,7 @@
               <a:pPr>
                 <a:defRPr/>
               </a:pPr>
-              <a:t>9/13/2012</a:t>
+              <a:t>10/4/2012</a:t>
             </a:fld>
             <a:endParaRPr lang="en-US" dirty="0"/>
           </a:p>
@@ -31401,7 +31401,7 @@
               <a:pPr>
                 <a:defRPr/>
               </a:pPr>
-              <a:t>9/13/2012</a:t>
+              <a:t>10/4/2012</a:t>
             </a:fld>
             <a:endParaRPr lang="en-US" dirty="0"/>
           </a:p>
@@ -31710,7 +31710,7 @@
               <a:pPr>
                 <a:defRPr/>
               </a:pPr>
-              <a:t>9/13/2012</a:t>
+              <a:t>10/4/2012</a:t>
             </a:fld>
             <a:endParaRPr lang="en-US" dirty="0"/>
           </a:p>
@@ -31996,7 +31996,7 @@
               <a:pPr>
                 <a:defRPr/>
               </a:pPr>
-              <a:t>9/13/2012</a:t>
+              <a:t>10/4/2012</a:t>
             </a:fld>
             <a:endParaRPr lang="en-US" dirty="0"/>
           </a:p>
@@ -32198,7 +32198,7 @@
               <a:pPr>
                 <a:defRPr/>
               </a:pPr>
-              <a:t>9/13/2012</a:t>
+              <a:t>10/4/2012</a:t>
             </a:fld>
             <a:endParaRPr lang="en-US" dirty="0"/>
           </a:p>
@@ -32410,7 +32410,7 @@
               <a:pPr>
                 <a:defRPr/>
               </a:pPr>
-              <a:t>9/13/2012</a:t>
+              <a:t>10/4/2012</a:t>
             </a:fld>
             <a:endParaRPr lang="en-US" dirty="0"/>
           </a:p>
@@ -32720,7 +32720,7 @@
               <a:pPr>
                 <a:defRPr/>
               </a:pPr>
-              <a:t>9/13/2012</a:t>
+              <a:t>10/4/2012</a:t>
             </a:fld>
             <a:endParaRPr lang="en-US" dirty="0"/>
           </a:p>
@@ -32926,7 +32926,7 @@
               <a:pPr>
                 <a:defRPr/>
               </a:pPr>
-              <a:t>9/13/2012</a:t>
+              <a:t>10/4/2012</a:t>
             </a:fld>
             <a:endParaRPr lang="en-US" dirty="0"/>
           </a:p>
@@ -33150,7 +33150,7 @@
               <a:pPr>
                 <a:defRPr/>
               </a:pPr>
-              <a:t>9/13/2012</a:t>
+              <a:t>10/4/2012</a:t>
             </a:fld>
             <a:endParaRPr lang="en-US" dirty="0"/>
           </a:p>
@@ -33470,7 +33470,7 @@
               <a:pPr>
                 <a:defRPr/>
               </a:pPr>
-              <a:t>9/13/2012</a:t>
+              <a:t>10/4/2012</a:t>
             </a:fld>
             <a:endParaRPr lang="en-US" dirty="0"/>
           </a:p>
@@ -33929,7 +33929,7 @@
               <a:pPr>
                 <a:defRPr/>
               </a:pPr>
-              <a:t>9/13/2012</a:t>
+              <a:t>10/4/2012</a:t>
             </a:fld>
             <a:endParaRPr lang="en-US" dirty="0"/>
           </a:p>
@@ -34198,7 +34198,7 @@
               <a:pPr>
                 <a:defRPr/>
               </a:pPr>
-              <a:t>9/13/2012</a:t>
+              <a:t>10/4/2012</a:t>
             </a:fld>
             <a:endParaRPr lang="en-US" dirty="0"/>
           </a:p>
@@ -34846,7 +34846,7 @@
               <a:pPr>
                 <a:defRPr/>
               </a:pPr>
-              <a:t>9/13/2012</a:t>
+              <a:t>10/4/2012</a:t>
             </a:fld>
             <a:endParaRPr lang="en-US" dirty="0"/>
           </a:p>
@@ -35856,7 +35856,7 @@
               <a:pPr>
                 <a:defRPr/>
               </a:pPr>
-              <a:t>9/13/2012</a:t>
+              <a:t>10/4/2012</a:t>
             </a:fld>
             <a:endParaRPr lang="en-US" dirty="0"/>
           </a:p>
@@ -36460,7 +36460,7 @@
               <a:pPr>
                 <a:defRPr/>
               </a:pPr>
-              <a:t>9/13/2012</a:t>
+              <a:t>10/4/2012</a:t>
             </a:fld>
             <a:endParaRPr lang="en-US" dirty="0"/>
           </a:p>
@@ -37288,7 +37288,7 @@
               <a:pPr>
                 <a:defRPr/>
               </a:pPr>
-              <a:t>9/13/2012</a:t>
+              <a:t>10/4/2012</a:t>
             </a:fld>
             <a:endParaRPr lang="en-US" dirty="0"/>
           </a:p>
@@ -38134,7 +38134,7 @@
               <a:pPr>
                 <a:defRPr/>
               </a:pPr>
-              <a:t>9/13/2012</a:t>
+              <a:t>10/4/2012</a:t>
             </a:fld>
             <a:endParaRPr lang="en-US" dirty="0"/>
           </a:p>
@@ -38980,7 +38980,7 @@
               <a:pPr>
                 <a:defRPr/>
               </a:pPr>
-              <a:t>9/13/2012</a:t>
+              <a:t>10/4/2012</a:t>
             </a:fld>
             <a:endParaRPr lang="en-US" dirty="0"/>
           </a:p>
@@ -39737,7 +39737,7 @@
               <a:pPr>
                 <a:defRPr/>
               </a:pPr>
-              <a:t>9/13/2012</a:t>
+              <a:t>10/4/2012</a:t>
             </a:fld>
             <a:endParaRPr lang="en-US" dirty="0"/>
           </a:p>
@@ -40569,7 +40569,7 @@
               <a:pPr>
                 <a:defRPr/>
               </a:pPr>
-              <a:t>9/13/2012</a:t>
+              <a:t>10/4/2012</a:t>
             </a:fld>
             <a:endParaRPr lang="en-US" dirty="0"/>
           </a:p>
@@ -41459,7 +41459,7 @@
               <a:pPr>
                 <a:defRPr/>
               </a:pPr>
-              <a:t>9/13/2012</a:t>
+              <a:t>10/4/2012</a:t>
             </a:fld>
             <a:endParaRPr lang="en-US" dirty="0"/>
           </a:p>
@@ -42326,7 +42326,7 @@
             <a:fld id="{9A9C3589-CBF0-424D-899D-62D73C235871}" type="datetime1">
               <a:rPr lang="en-US" smtClean="0"/>
               <a:pPr/>
-              <a:t>9/13/2012</a:t>
+              <a:t>10/4/2012</a:t>
             </a:fld>
             <a:endParaRPr lang="en-US" dirty="0"/>
           </a:p>
@@ -42636,7 +42636,6 @@
               <a:rPr lang="en-US" dirty="0" smtClean="0"/>
               <a:t>The next few slides cover each of the elements</a:t>
             </a:r>
-            <a:endParaRPr lang="en-US" dirty="0" smtClean="0"/>
           </a:p>
         </p:txBody>
       </p:sp>
@@ -42663,7 +42662,7 @@
               <a:pPr>
                 <a:defRPr/>
               </a:pPr>
-              <a:t>9/13/2012</a:t>
+              <a:t>10/4/2012</a:t>
             </a:fld>
             <a:endParaRPr lang="en-US" dirty="0"/>
           </a:p>
@@ -42853,7 +42852,7 @@
               <a:pPr>
                 <a:defRPr/>
               </a:pPr>
-              <a:t>9/13/2012</a:t>
+              <a:t>10/4/2012</a:t>
             </a:fld>
             <a:endParaRPr lang="en-US" dirty="0"/>
           </a:p>
@@ -42969,7 +42968,7 @@
               <a:pPr>
                 <a:defRPr/>
               </a:pPr>
-              <a:t>9/13/2012</a:t>
+              <a:t>10/4/2012</a:t>
             </a:fld>
             <a:endParaRPr lang="en-US" dirty="0"/>
           </a:p>
@@ -43124,11 +43123,7 @@
             <a:pPr algn="l" eaLnBrk="1" hangingPunct="1"/>
             <a:r>
               <a:rPr lang="en-US" sz="2000" dirty="0" smtClean="0"/>
-              <a:t>Group – what processing elements (cores, accelerators) the queue </a:t>
-            </a:r>
-            <a:r>
-              <a:rPr lang="en-US" sz="2000" dirty="0" smtClean="0"/>
-              <a:t>supports</a:t>
+              <a:t>Group – what processing elements (cores, accelerators) the queue supports</a:t>
             </a:r>
           </a:p>
           <a:p>
@@ -43141,7 +43136,6 @@
               <a:rPr lang="en-US" sz="2000" dirty="0" smtClean="0"/>
               <a:t>Software queues use navigator hardware queues to manage events. These queues are call private queues (private to the Event Machine)</a:t>
             </a:r>
-            <a:endParaRPr lang="en-US" sz="2000" dirty="0" smtClean="0"/>
           </a:p>
           <a:p>
             <a:endParaRPr lang="en-US" dirty="0"/>
@@ -43310,7 +43304,6 @@
               <a:rPr lang="en-US" sz="2200" dirty="0" smtClean="0"/>
               <a:t>Type (monolithic or host)</a:t>
             </a:r>
-            <a:endParaRPr lang="en-US" sz="2200" dirty="0" smtClean="0"/>
           </a:p>
           <a:p>
             <a:pPr lvl="1" eaLnBrk="1" hangingPunct="1"/>
@@ -43364,7 +43357,7 @@
               <a:pPr>
                 <a:defRPr/>
               </a:pPr>
-              <a:t>9/13/2012</a:t>
+              <a:t>10/4/2012</a:t>
             </a:fld>
             <a:endParaRPr lang="en-US" dirty="0"/>
           </a:p>
@@ -43542,7 +43535,7 @@
               <a:pPr>
                 <a:defRPr/>
               </a:pPr>
-              <a:t>9/13/2012</a:t>
+              <a:t>10/4/2012</a:t>
             </a:fld>
             <a:endParaRPr lang="en-US" dirty="0"/>
           </a:p>
@@ -43653,15 +43646,7 @@
             <a:pPr algn="ctr" eaLnBrk="1" hangingPunct="1"/>
             <a:r>
               <a:rPr lang="en-US" dirty="0" smtClean="0"/>
-              <a:t> </a:t>
-            </a:r>
-            <a:r>
-              <a:rPr lang="en-US" dirty="0" smtClean="0"/>
-              <a:t>The Dispatcher </a:t>
-            </a:r>
-            <a:r>
-              <a:rPr lang="en-US" dirty="0" smtClean="0"/>
-              <a:t>Function</a:t>
+              <a:t> The Dispatcher Function</a:t>
             </a:r>
           </a:p>
         </p:txBody>
@@ -43735,11 +43720,7 @@
             </a:r>
             <a:r>
               <a:rPr lang="en-US" sz="1800" i="1" dirty="0" smtClean="0"/>
-              <a:t>ti_em_dispatch_once</a:t>
-            </a:r>
-            <a:r>
-              <a:rPr lang="en-US" sz="1800" i="1" dirty="0" smtClean="0"/>
-              <a:t>();</a:t>
+              <a:t>ti_em_dispatch_once();</a:t>
             </a:r>
             <a:endParaRPr lang="en-US" dirty="0" smtClean="0"/>
           </a:p>
@@ -43747,11 +43728,7 @@
             <a:pPr eaLnBrk="1" hangingPunct="1"/>
             <a:r>
               <a:rPr lang="en-US" dirty="0" smtClean="0"/>
-              <a:t>If no event is available, the routine returns (No blocking</a:t>
-            </a:r>
-            <a:r>
-              <a:rPr lang="en-US" dirty="0" smtClean="0"/>
-              <a:t>)</a:t>
+              <a:t>If no event is available, the routine returns (No blocking)</a:t>
             </a:r>
           </a:p>
           <a:p>
@@ -43836,7 +43813,7 @@
               <a:pPr>
                 <a:defRPr/>
               </a:pPr>
-              <a:t>9/14/2012</a:t>
+              <a:t>10/4/2012</a:t>
             </a:fld>
             <a:endParaRPr lang="en-US" dirty="0"/>
           </a:p>
@@ -43949,7 +43926,6 @@
               <a:rPr lang="en-US" dirty="0" smtClean="0"/>
               <a:t>More about  ti_em_dispatch_once</a:t>
             </a:r>
-            <a:endParaRPr lang="en-US" dirty="0" smtClean="0"/>
           </a:p>
         </p:txBody>
       </p:sp>
@@ -44022,11 +43998,7 @@
             <a:pPr eaLnBrk="1" hangingPunct="1"/>
             <a:r>
               <a:rPr lang="en-US" dirty="0" smtClean="0"/>
-              <a:t>To </a:t>
-            </a:r>
-            <a:r>
-              <a:rPr lang="en-US" dirty="0" smtClean="0"/>
-              <a:t>speed up the processing, the </a:t>
+              <a:t>To speed up the processing, the </a:t>
             </a:r>
             <a:r>
               <a:rPr lang="en-US" b="1" dirty="0" smtClean="0">
@@ -44058,14 +44030,7 @@
                 <a:latin typeface="Courier New" pitchFamily="49" charset="0"/>
                 <a:cs typeface="Courier New" pitchFamily="49" charset="0"/>
               </a:rPr>
-              <a:t>ti_em_preschedule</a:t>
-            </a:r>
-            <a:r>
-              <a:rPr lang="en-US" b="1" dirty="0" smtClean="0">
-                <a:latin typeface="Courier New" pitchFamily="49" charset="0"/>
-                <a:cs typeface="Courier New" pitchFamily="49" charset="0"/>
-              </a:rPr>
-              <a:t>()</a:t>
+              <a:t>ti_em_preschedule()</a:t>
             </a:r>
             <a:r>
               <a:rPr lang="en-US" b="1" dirty="0" smtClean="0"/>
@@ -44084,13 +44049,8 @@
             </a:r>
             <a:r>
               <a:rPr lang="en-US" dirty="0" smtClean="0"/>
-              <a:t>are part of TI OpenEM </a:t>
-            </a:r>
-            <a:r>
-              <a:rPr lang="en-US" dirty="0" smtClean="0"/>
-              <a:t>implementation</a:t>
-            </a:r>
-            <a:endParaRPr lang="en-US" dirty="0" smtClean="0"/>
+              <a:t>are part of TI OpenEM implementation</a:t>
+            </a:r>
           </a:p>
         </p:txBody>
       </p:sp>
@@ -44117,7 +44077,7 @@
               <a:pPr>
                 <a:defRPr/>
               </a:pPr>
-              <a:t>9/13/2012</a:t>
+              <a:t>10/4/2012</a:t>
             </a:fld>
             <a:endParaRPr lang="en-US" dirty="0"/>
           </a:p>
@@ -44201,7 +44161,6 @@
               <a:rPr lang="en-US" dirty="0" smtClean="0"/>
               <a:t>Dispatcher – Example code</a:t>
             </a:r>
-            <a:endParaRPr lang="en-US" dirty="0" smtClean="0"/>
           </a:p>
         </p:txBody>
       </p:sp>
@@ -44533,7 +44492,7 @@
               <a:pPr>
                 <a:defRPr/>
               </a:pPr>
-              <a:t>9/14/2012</a:t>
+              <a:t>10/4/2012</a:t>
             </a:fld>
             <a:endParaRPr lang="en-US" dirty="0"/>
           </a:p>
@@ -44644,13 +44603,8 @@
             <a:pPr algn="ctr" eaLnBrk="1" hangingPunct="1"/>
             <a:r>
               <a:rPr lang="en-US" dirty="0" smtClean="0"/>
-              <a:t>Central Logic – The </a:t>
-            </a:r>
-            <a:r>
-              <a:rPr lang="en-US" dirty="0" smtClean="0"/>
-              <a:t>Scheduler</a:t>
-            </a:r>
-            <a:endParaRPr lang="en-US" dirty="0" smtClean="0"/>
+              <a:t>Central Logic – The Scheduler</a:t>
+            </a:r>
           </a:p>
         </p:txBody>
       </p:sp>
@@ -44719,21 +44673,8 @@
             <a:pPr eaLnBrk="1" hangingPunct="1"/>
             <a:r>
               <a:rPr lang="en-US" dirty="0" smtClean="0"/>
-              <a:t>The scheduler code is developed by TI and it runs on </a:t>
-            </a:r>
-            <a:r>
-              <a:rPr lang="en-US" dirty="0" smtClean="0"/>
-              <a:t>PDSP </a:t>
-            </a:r>
-            <a:r>
-              <a:rPr lang="en-US" dirty="0" smtClean="0"/>
-              <a:t>RISC processors that are part of the Navigator Queue Manager Subsystem (QMSS</a:t>
-            </a:r>
-            <a:r>
-              <a:rPr lang="en-US" dirty="0" smtClean="0"/>
-              <a:t>).</a:t>
-            </a:r>
-            <a:endParaRPr lang="en-US" dirty="0" smtClean="0"/>
+              <a:t>The scheduler code is developed by TI and it runs on PDSP RISC processors that are part of the Navigator Queue Manager Subsystem (QMSS).</a:t>
+            </a:r>
           </a:p>
         </p:txBody>
       </p:sp>
@@ -44760,7 +44701,7 @@
               <a:pPr>
                 <a:defRPr/>
               </a:pPr>
-              <a:t>9/13/2012</a:t>
+              <a:t>10/4/2012</a:t>
             </a:fld>
             <a:endParaRPr lang="en-US" dirty="0"/>
           </a:p>
@@ -44844,7 +44785,6 @@
               <a:rPr lang="en-US" dirty="0" smtClean="0"/>
               <a:t>Scheduler Algorithms</a:t>
             </a:r>
-            <a:endParaRPr lang="en-US" dirty="0" smtClean="0"/>
           </a:p>
         </p:txBody>
       </p:sp>
@@ -45041,7 +44981,7 @@
               <a:pPr>
                 <a:defRPr/>
               </a:pPr>
-              <a:t>9/14/2012</a:t>
+              <a:t>10/4/2012</a:t>
             </a:fld>
             <a:endParaRPr lang="en-US" dirty="0"/>
           </a:p>
@@ -45182,17 +45122,8 @@
             <a:pPr eaLnBrk="1" hangingPunct="1"/>
             <a:r>
               <a:rPr lang="en-US" dirty="0" smtClean="0"/>
-              <a:t>Understand</a:t>
-            </a:r>
-            <a:r>
-              <a:rPr lang="en-US" dirty="0" smtClean="0"/>
-              <a:t>ing</a:t>
-            </a:r>
-            <a:r>
-              <a:rPr lang="en-US" dirty="0" smtClean="0"/>
-              <a:t> OpenEM and TI Implementation</a:t>
-            </a:r>
-            <a:endParaRPr lang="en-US" dirty="0" smtClean="0"/>
+              <a:t>Understanding OpenEM and TI Implementation</a:t>
+            </a:r>
           </a:p>
           <a:p>
             <a:pPr eaLnBrk="1" hangingPunct="1"/>
@@ -45200,7 +45131,6 @@
               <a:rPr lang="en-US" dirty="0" smtClean="0"/>
               <a:t>TI Example Code </a:t>
             </a:r>
-            <a:endParaRPr lang="en-US" dirty="0" smtClean="0"/>
           </a:p>
           <a:p>
             <a:pPr eaLnBrk="1" hangingPunct="1"/>
@@ -45208,7 +45138,6 @@
               <a:rPr lang="en-US" dirty="0" smtClean="0"/>
               <a:t>Benchmarks</a:t>
             </a:r>
-            <a:endParaRPr lang="en-US" dirty="0" smtClean="0"/>
           </a:p>
         </p:txBody>
       </p:sp>
@@ -45235,7 +45164,7 @@
               <a:pPr>
                 <a:defRPr/>
               </a:pPr>
-              <a:t>9/13/2012</a:t>
+              <a:t>10/4/2012</a:t>
             </a:fld>
             <a:endParaRPr lang="en-US" dirty="0"/>
           </a:p>
@@ -45345,7 +45274,7 @@
               <a:pPr>
                 <a:defRPr/>
               </a:pPr>
-              <a:t>9/13/2012</a:t>
+              <a:t>10/4/2012</a:t>
             </a:fld>
             <a:endParaRPr lang="en-US" dirty="0"/>
           </a:p>
@@ -45480,11 +45409,7 @@
           <a:p>
             <a:r>
               <a:rPr lang="en-US" dirty="0" smtClean="0"/>
-              <a:t>Processing of a New </a:t>
-            </a:r>
-            <a:r>
-              <a:rPr lang="en-US" dirty="0" smtClean="0"/>
-              <a:t>Event</a:t>
+              <a:t>Processing of a New Event</a:t>
             </a:r>
             <a:endParaRPr lang="en-US" dirty="0"/>
           </a:p>
@@ -45513,7 +45438,7 @@
               <a:pPr>
                 <a:defRPr/>
               </a:pPr>
-              <a:t>9/13/2012</a:t>
+              <a:t>10/4/2012</a:t>
             </a:fld>
             <a:endParaRPr lang="en-US" dirty="0"/>
           </a:p>
@@ -45678,7 +45603,7 @@
               <a:pPr>
                 <a:defRPr/>
               </a:pPr>
-              <a:t>9/13/2012</a:t>
+              <a:t>10/4/2012</a:t>
             </a:fld>
             <a:endParaRPr lang="en-US" dirty="0"/>
           </a:p>
@@ -45845,7 +45770,6 @@
               <a:rPr lang="en-US" dirty="0" smtClean="0"/>
               <a:t>Creating a New Event </a:t>
             </a:r>
-            <a:endParaRPr lang="en-US" dirty="0" smtClean="0"/>
           </a:p>
         </p:txBody>
       </p:sp>
@@ -45883,29 +45807,15 @@
             <a:pPr lvl="1" eaLnBrk="1" hangingPunct="1"/>
             <a:r>
               <a:rPr lang="en-US" sz="2400" dirty="0" smtClean="0"/>
-              <a:t>Gets </a:t>
-            </a:r>
+              <a:t>Gets an event from event pool using em_alloc() function</a:t>
+            </a:r>
+          </a:p>
+          <a:p>
+            <a:pPr lvl="1" eaLnBrk="1" hangingPunct="1"/>
             <a:r>
               <a:rPr lang="en-US" sz="2400" dirty="0" smtClean="0"/>
-              <a:t>an event from event </a:t>
-            </a:r>
-            <a:r>
-              <a:rPr lang="en-US" sz="2400" dirty="0" smtClean="0"/>
-              <a:t>pool using em_alloc() function</a:t>
-            </a:r>
-            <a:endParaRPr lang="en-US" sz="2400" dirty="0" smtClean="0"/>
-          </a:p>
-          <a:p>
-            <a:pPr lvl="1" eaLnBrk="1" hangingPunct="1"/>
-            <a:r>
-              <a:rPr lang="en-US" sz="2400" dirty="0" smtClean="0"/>
-              <a:t>Puts the data inside the </a:t>
-            </a:r>
-            <a:r>
-              <a:rPr lang="en-US" sz="2400" dirty="0" smtClean="0"/>
-              <a:t>event (or the buffer that is associated with the event)</a:t>
-            </a:r>
-            <a:endParaRPr lang="en-US" sz="2400" dirty="0" smtClean="0"/>
+              <a:t>Puts the data inside the event (or the buffer that is associated with the event)</a:t>
+            </a:r>
           </a:p>
           <a:p>
             <a:pPr lvl="1" eaLnBrk="1" hangingPunct="1"/>
@@ -45918,11 +45828,7 @@
             <a:pPr lvl="1" eaLnBrk="1" hangingPunct="1"/>
             <a:r>
               <a:rPr lang="en-US" sz="2400" dirty="0" smtClean="0"/>
-              <a:t>Sends out the </a:t>
-            </a:r>
-            <a:r>
-              <a:rPr lang="en-US" sz="2400" dirty="0" smtClean="0"/>
-              <a:t>event using em_send() to a queue</a:t>
+              <a:t>Sends out the event using em_send() to a queue</a:t>
             </a:r>
           </a:p>
           <a:p>
@@ -45935,7 +45841,6 @@
               <a:rPr lang="en-US" sz="2600" dirty="0" smtClean="0"/>
               <a:t>The event machine will deliver the event to an appropriate core receive queue</a:t>
             </a:r>
-            <a:endParaRPr lang="en-US" sz="2600" dirty="0" smtClean="0"/>
           </a:p>
           <a:p>
             <a:pPr lvl="2" eaLnBrk="1" hangingPunct="1"/>
@@ -45966,7 +45871,7 @@
               <a:pPr>
                 <a:defRPr/>
               </a:pPr>
-              <a:t>9/13/2012</a:t>
+              <a:t>10/4/2012</a:t>
             </a:fld>
             <a:endParaRPr lang="en-US" dirty="0"/>
           </a:p>
@@ -46079,7 +45984,6 @@
               <a:rPr lang="en-US" dirty="0" smtClean="0"/>
               <a:t>Processing an Event </a:t>
             </a:r>
-            <a:endParaRPr lang="en-US" dirty="0" smtClean="0"/>
           </a:p>
         </p:txBody>
       </p:sp>
@@ -46117,40 +46021,22 @@
             <a:pPr lvl="1" eaLnBrk="1" hangingPunct="1"/>
             <a:r>
               <a:rPr lang="en-US" dirty="0" smtClean="0"/>
-              <a:t>Gets the </a:t>
-            </a:r>
+              <a:t>Gets the next event from the Event Machine</a:t>
+            </a:r>
+          </a:p>
+          <a:p>
+            <a:pPr lvl="1" eaLnBrk="1" hangingPunct="1"/>
             <a:r>
               <a:rPr lang="en-US" dirty="0" smtClean="0"/>
-              <a:t>next event </a:t>
-            </a:r>
+              <a:t>Gets the data from the event</a:t>
+            </a:r>
+          </a:p>
+          <a:p>
+            <a:pPr lvl="1" eaLnBrk="1" hangingPunct="1"/>
             <a:r>
               <a:rPr lang="en-US" dirty="0" smtClean="0"/>
-              <a:t>from the Event Machine</a:t>
-            </a:r>
-          </a:p>
-          <a:p>
-            <a:pPr lvl="1" eaLnBrk="1" hangingPunct="1"/>
-            <a:r>
-              <a:rPr lang="en-US" dirty="0" smtClean="0"/>
-              <a:t>Gets the data from the </a:t>
-            </a:r>
-            <a:r>
-              <a:rPr lang="en-US" dirty="0" smtClean="0"/>
-              <a:t>event</a:t>
-            </a:r>
-            <a:endParaRPr lang="en-US" dirty="0" smtClean="0"/>
-          </a:p>
-          <a:p>
-            <a:pPr lvl="1" eaLnBrk="1" hangingPunct="1"/>
-            <a:r>
-              <a:rPr lang="en-US" dirty="0" smtClean="0"/>
-              <a:t>Calls the function associated with the </a:t>
-            </a:r>
-            <a:r>
-              <a:rPr lang="en-US" dirty="0" smtClean="0"/>
-              <a:t>EO with the data</a:t>
-            </a:r>
-            <a:endParaRPr lang="en-US" dirty="0" smtClean="0"/>
+              <a:t>Calls the function associated with the EO with the data</a:t>
+            </a:r>
           </a:p>
           <a:p>
             <a:pPr lvl="1" eaLnBrk="1" hangingPunct="1"/>
@@ -46163,11 +46049,7 @@
             <a:pPr eaLnBrk="1" hangingPunct="1"/>
             <a:r>
               <a:rPr lang="en-US" dirty="0" smtClean="0"/>
-              <a:t>During run time, all the above operations are performed by the dispatcher using standard API (part of the OpenEM). So the user does not need to develop these </a:t>
-            </a:r>
-            <a:r>
-              <a:rPr lang="en-US" dirty="0" smtClean="0"/>
-              <a:t>functions</a:t>
+              <a:t>During run time, all the above operations are performed by the dispatcher using standard API (part of the OpenEM). So the user does not need to develop these functions</a:t>
             </a:r>
           </a:p>
           <a:p>
@@ -46176,7 +46058,6 @@
               <a:rPr lang="en-US" dirty="0" smtClean="0"/>
               <a:t>If pre-load is used, the event machine loads the next event (data and all) to the core while the current event is being processed by the core</a:t>
             </a:r>
-            <a:endParaRPr lang="en-US" dirty="0" smtClean="0"/>
           </a:p>
         </p:txBody>
       </p:sp>
@@ -46203,7 +46084,7 @@
               <a:pPr>
                 <a:defRPr/>
               </a:pPr>
-              <a:t>9/13/2012</a:t>
+              <a:t>10/4/2012</a:t>
             </a:fld>
             <a:endParaRPr lang="en-US" dirty="0"/>
           </a:p>
@@ -46342,7 +46223,7 @@
               <a:pPr>
                 <a:defRPr/>
               </a:pPr>
-              <a:t>9/14/2012</a:t>
+              <a:t>10/4/2012</a:t>
             </a:fld>
             <a:endParaRPr lang="en-US" dirty="0"/>
           </a:p>
@@ -46456,7 +46337,6 @@
               <a:rPr lang="en-US" dirty="0" smtClean="0"/>
               <a:t>Putting It All Together</a:t>
             </a:r>
-            <a:endParaRPr lang="en-US" dirty="0" smtClean="0"/>
           </a:p>
         </p:txBody>
       </p:sp>
@@ -46512,7 +46392,7 @@
               <a:pPr>
                 <a:defRPr/>
               </a:pPr>
-              <a:t>9/13/2012</a:t>
+              <a:t>10/4/2012</a:t>
             </a:fld>
             <a:endParaRPr lang="en-US" dirty="0"/>
           </a:p>
@@ -46799,7 +46679,7 @@
               <a:pPr>
                 <a:defRPr/>
               </a:pPr>
-              <a:t>9/13/2012</a:t>
+              <a:t>10/4/2012</a:t>
             </a:fld>
             <a:endParaRPr lang="en-US" dirty="0"/>
           </a:p>
@@ -46988,11 +46868,7 @@
             <a:pPr eaLnBrk="1" hangingPunct="1"/>
             <a:r>
               <a:rPr lang="en-US" sz="1800" dirty="0" smtClean="0"/>
-              <a:t>All </a:t>
-            </a:r>
-            <a:r>
-              <a:rPr lang="en-US" sz="1800" dirty="0" smtClean="0"/>
-              <a:t>other queue parameters – priority, group, etc. – are the same.</a:t>
+              <a:t>All other queue parameters – priority, group, etc. – are the same.</a:t>
             </a:r>
           </a:p>
         </p:txBody>
@@ -47020,7 +46896,7 @@
               <a:pPr>
                 <a:defRPr/>
               </a:pPr>
-              <a:t>9/13/2012</a:t>
+              <a:t>10/4/2012</a:t>
             </a:fld>
             <a:endParaRPr lang="en-US" dirty="0"/>
           </a:p>
@@ -47229,7 +47105,7 @@
               <a:pPr>
                 <a:defRPr/>
               </a:pPr>
-              <a:t>9/13/2012</a:t>
+              <a:t>10/4/2012</a:t>
             </a:fld>
             <a:endParaRPr lang="en-US" dirty="0"/>
           </a:p>
@@ -47347,7 +47223,7 @@
               <a:pPr>
                 <a:defRPr/>
               </a:pPr>
-              <a:t>9/13/2012</a:t>
+              <a:t>10/4/2012</a:t>
             </a:fld>
             <a:endParaRPr lang="en-US" dirty="0"/>
           </a:p>
@@ -47666,7 +47542,7 @@
               <a:pPr>
                 <a:defRPr/>
               </a:pPr>
-              <a:t>9/13/2012</a:t>
+              <a:t>10/4/2012</a:t>
             </a:fld>
             <a:endParaRPr lang="en-US" dirty="0"/>
           </a:p>
@@ -47748,11 +47624,7 @@
             <a:pPr algn="ctr" eaLnBrk="1" hangingPunct="1"/>
             <a:r>
               <a:rPr lang="en-US" dirty="0" smtClean="0"/>
-              <a:t>OpenEM features -Load </a:t>
-            </a:r>
-            <a:r>
-              <a:rPr lang="en-US" dirty="0" smtClean="0"/>
-              <a:t>Balancing</a:t>
+              <a:t>OpenEM features -Load Balancing</a:t>
             </a:r>
           </a:p>
         </p:txBody>
@@ -47902,7 +47774,7 @@
               <a:pPr>
                 <a:defRPr/>
               </a:pPr>
-              <a:t>9/13/2012</a:t>
+              <a:t>10/4/2012</a:t>
             </a:fld>
             <a:endParaRPr lang="en-US" dirty="0"/>
           </a:p>
@@ -47984,17 +47856,8 @@
             <a:pPr algn="ctr" eaLnBrk="1" hangingPunct="1"/>
             <a:r>
               <a:rPr lang="en-US" dirty="0" smtClean="0"/>
-              <a:t>OpenEM Memory M</a:t>
-            </a:r>
-            <a:r>
-              <a:rPr lang="en-US" dirty="0" smtClean="0"/>
-              <a:t>anagement</a:t>
-            </a:r>
-            <a:r>
-              <a:rPr lang="en-US" dirty="0" smtClean="0"/>
-              <a:t> </a:t>
-            </a:r>
-            <a:endParaRPr lang="en-US" dirty="0" smtClean="0"/>
+              <a:t>OpenEM Memory Management </a:t>
+            </a:r>
           </a:p>
         </p:txBody>
       </p:sp>
@@ -48253,7 +48116,7 @@
               <a:pPr>
                 <a:defRPr/>
               </a:pPr>
-              <a:t>9/13/2012</a:t>
+              <a:t>10/4/2012</a:t>
             </a:fld>
             <a:endParaRPr lang="en-US" dirty="0"/>
           </a:p>
@@ -48537,7 +48400,7 @@
               <a:pPr>
                 <a:defRPr/>
               </a:pPr>
-              <a:t>9/13/2012</a:t>
+              <a:t>10/4/2012</a:t>
             </a:fld>
             <a:endParaRPr lang="en-US" dirty="0"/>
           </a:p>
@@ -50365,7 +50228,7 @@
               <a:pPr>
                 <a:defRPr/>
               </a:pPr>
-              <a:t>9/13/2012</a:t>
+              <a:t>10/4/2012</a:t>
             </a:fld>
             <a:endParaRPr lang="en-US" dirty="0"/>
           </a:p>
@@ -51035,17 +50898,8 @@
             <a:pPr eaLnBrk="1" hangingPunct="1"/>
             <a:r>
               <a:rPr lang="en-US" dirty="0" smtClean="0"/>
-              <a:t>Understand</a:t>
-            </a:r>
-            <a:r>
-              <a:rPr lang="en-US" dirty="0" smtClean="0"/>
-              <a:t>ing </a:t>
-            </a:r>
-            <a:r>
-              <a:rPr lang="en-US" dirty="0" smtClean="0"/>
-              <a:t> OpenEM and TI Implementation</a:t>
-            </a:r>
-            <a:endParaRPr lang="en-US" dirty="0" smtClean="0"/>
+              <a:t>Understanding  OpenEM and TI Implementation</a:t>
+            </a:r>
           </a:p>
           <a:p>
             <a:pPr eaLnBrk="1" hangingPunct="1"/>
@@ -51053,7 +50907,6 @@
               <a:rPr lang="en-US" b="1" dirty="0" smtClean="0"/>
               <a:t>TI Example Code </a:t>
             </a:r>
-            <a:endParaRPr lang="en-US" b="1" dirty="0" smtClean="0"/>
           </a:p>
           <a:p>
             <a:pPr eaLnBrk="1" hangingPunct="1"/>
@@ -51061,7 +50914,6 @@
               <a:rPr lang="en-US" dirty="0" smtClean="0"/>
               <a:t>Benchmarks</a:t>
             </a:r>
-            <a:endParaRPr lang="en-US" dirty="0" smtClean="0"/>
           </a:p>
         </p:txBody>
       </p:sp>
@@ -51088,7 +50940,7 @@
               <a:pPr>
                 <a:defRPr/>
               </a:pPr>
-              <a:t>9/14/2012</a:t>
+              <a:t>10/4/2012</a:t>
             </a:fld>
             <a:endParaRPr lang="en-US" dirty="0"/>
           </a:p>
@@ -51317,7 +51169,7 @@
               <a:pPr>
                 <a:defRPr/>
               </a:pPr>
-              <a:t>9/13/2012</a:t>
+              <a:t>10/4/2012</a:t>
             </a:fld>
             <a:endParaRPr lang="en-US" dirty="0"/>
           </a:p>
@@ -51545,7 +51397,7 @@
               <a:pPr>
                 <a:defRPr/>
               </a:pPr>
-              <a:t>9/13/2012</a:t>
+              <a:t>10/4/2012</a:t>
             </a:fld>
             <a:endParaRPr lang="en-US" dirty="0"/>
           </a:p>
@@ -51760,7 +51612,7 @@
               <a:pPr>
                 <a:defRPr/>
               </a:pPr>
-              <a:t>9/13/2012</a:t>
+              <a:t>10/4/2012</a:t>
             </a:fld>
             <a:endParaRPr lang="en-US" dirty="0"/>
           </a:p>
@@ -51964,7 +51816,7 @@
               <a:pPr>
                 <a:defRPr/>
               </a:pPr>
-              <a:t>9/13/2012</a:t>
+              <a:t>10/4/2012</a:t>
             </a:fld>
             <a:endParaRPr lang="en-US" dirty="0"/>
           </a:p>
@@ -52082,7 +51934,7 @@
               <a:pPr>
                 <a:defRPr/>
               </a:pPr>
-              <a:t>9/13/2012</a:t>
+              <a:t>10/4/2012</a:t>
             </a:fld>
             <a:endParaRPr lang="en-US" dirty="0"/>
           </a:p>
@@ -52387,7 +52239,7 @@
               <a:pPr>
                 <a:defRPr/>
               </a:pPr>
-              <a:t>9/13/2012</a:t>
+              <a:t>10/4/2012</a:t>
             </a:fld>
             <a:endParaRPr lang="en-US" dirty="0"/>
           </a:p>
@@ -52601,7 +52453,7 @@
               <a:pPr>
                 <a:defRPr/>
               </a:pPr>
-              <a:t>9/13/2012</a:t>
+              <a:t>10/4/2012</a:t>
             </a:fld>
             <a:endParaRPr lang="en-US" dirty="0"/>
           </a:p>
@@ -52853,7 +52705,7 @@
               <a:pPr>
                 <a:defRPr/>
               </a:pPr>
-              <a:t>9/13/2012</a:t>
+              <a:t>10/4/2012</a:t>
             </a:fld>
             <a:endParaRPr lang="en-US" dirty="0"/>
           </a:p>
@@ -53026,7 +52878,7 @@
               <a:pPr>
                 <a:defRPr/>
               </a:pPr>
-              <a:t>9/13/2012</a:t>
+              <a:t>10/4/2012</a:t>
             </a:fld>
             <a:endParaRPr lang="en-US" dirty="0"/>
           </a:p>
@@ -53259,7 +53111,7 @@
               <a:pPr>
                 <a:defRPr/>
               </a:pPr>
-              <a:t>9/13/2012</a:t>
+              <a:t>10/4/2012</a:t>
             </a:fld>
             <a:endParaRPr lang="en-US" dirty="0"/>
           </a:p>
@@ -53476,7 +53328,7 @@
               <a:pPr>
                 <a:defRPr/>
               </a:pPr>
-              <a:t>9/13/2012</a:t>
+              <a:t>10/4/2012</a:t>
             </a:fld>
             <a:endParaRPr lang="en-US" dirty="0"/>
           </a:p>
@@ -53568,7 +53420,7 @@
               <a:pPr>
                 <a:defRPr/>
               </a:pPr>
-              <a:t>9/13/2012</a:t>
+              <a:t>10/4/2012</a:t>
             </a:fld>
             <a:endParaRPr lang="en-US" sz="1600" dirty="0"/>
           </a:p>
@@ -54007,33 +53859,22 @@
             <a:pPr eaLnBrk="1" hangingPunct="1"/>
             <a:r>
               <a:rPr lang="en-US" dirty="0" smtClean="0"/>
-              <a:t>Understand</a:t>
-            </a:r>
+              <a:t>Understanding  OpenEM and TI Implementation</a:t>
+            </a:r>
+          </a:p>
+          <a:p>
+            <a:pPr eaLnBrk="1" hangingPunct="1"/>
             <a:r>
               <a:rPr lang="en-US" dirty="0" smtClean="0"/>
-              <a:t>ing </a:t>
-            </a:r>
-            <a:r>
-              <a:rPr lang="en-US" dirty="0" smtClean="0"/>
-              <a:t> OpenEM and TI Implementation</a:t>
-            </a:r>
-            <a:endParaRPr lang="en-US" dirty="0" smtClean="0"/>
+              <a:t>TI Example Code </a:t>
+            </a:r>
           </a:p>
           <a:p>
             <a:pPr eaLnBrk="1" hangingPunct="1"/>
             <a:r>
               <a:rPr lang="en-US" b="1" dirty="0" smtClean="0"/>
-              <a:t>TI Example Code </a:t>
-            </a:r>
-            <a:endParaRPr lang="en-US" b="1" dirty="0" smtClean="0"/>
-          </a:p>
-          <a:p>
-            <a:pPr eaLnBrk="1" hangingPunct="1"/>
-            <a:r>
-              <a:rPr lang="en-US" dirty="0" smtClean="0"/>
               <a:t>Benchmarks</a:t>
             </a:r>
-            <a:endParaRPr lang="en-US" dirty="0" smtClean="0"/>
           </a:p>
         </p:txBody>
       </p:sp>
@@ -54060,7 +53901,7 @@
               <a:pPr>
                 <a:defRPr/>
               </a:pPr>
-              <a:t>9/14/2012</a:t>
+              <a:t>10/4/2012</a:t>
             </a:fld>
             <a:endParaRPr lang="en-US" dirty="0"/>
           </a:p>
@@ -54331,7 +54172,7 @@
               <a:pPr>
                 <a:defRPr/>
               </a:pPr>
-              <a:t>9/13/2012</a:t>
+              <a:t>10/4/2012</a:t>
             </a:fld>
             <a:endParaRPr lang="en-US" dirty="0"/>
           </a:p>
@@ -54598,7 +54439,7 @@
               <a:pPr>
                 <a:defRPr/>
               </a:pPr>
-              <a:t>9/13/2012</a:t>
+              <a:t>10/4/2012</a:t>
             </a:fld>
             <a:endParaRPr lang="en-US" dirty="0"/>
           </a:p>
@@ -54716,7 +54557,7 @@
               <a:pPr>
                 <a:defRPr/>
               </a:pPr>
-              <a:t>9/13/2012</a:t>
+              <a:t>10/4/2012</a:t>
             </a:fld>
             <a:endParaRPr lang="en-US" dirty="0"/>
           </a:p>
@@ -54968,7 +54809,7 @@
               <a:pPr>
                 <a:defRPr/>
               </a:pPr>
-              <a:t>9/13/2012</a:t>
+              <a:t>10/4/2012</a:t>
             </a:fld>
             <a:endParaRPr lang="en-US" dirty="0"/>
           </a:p>
@@ -55089,7 +54930,6 @@
               <a:rPr lang="en-US" sz="4400" i="1" dirty="0" smtClean="0"/>
               <a:t>Questions?</a:t>
             </a:r>
-            <a:endParaRPr lang="en-US" sz="4400" i="1" dirty="0" smtClean="0"/>
           </a:p>
         </p:txBody>
       </p:sp>
@@ -55113,7 +54953,7 @@
             <a:fld id="{187AFB2F-A9D1-4F24-965F-5B552C0E8FDE}" type="datetime1">
               <a:rPr lang="en-US" smtClean="0"/>
               <a:pPr/>
-              <a:t>9/13/2012</a:t>
+              <a:t>10/4/2012</a:t>
             </a:fld>
             <a:endParaRPr lang="en-US" dirty="0"/>
           </a:p>
@@ -55279,17 +55119,8 @@
             <a:pPr eaLnBrk="1" hangingPunct="1"/>
             <a:r>
               <a:rPr lang="en-US" b="1" dirty="0" smtClean="0"/>
-              <a:t>Understand</a:t>
-            </a:r>
-            <a:r>
-              <a:rPr lang="en-US" b="1" dirty="0" smtClean="0"/>
-              <a:t>ing </a:t>
-            </a:r>
-            <a:r>
-              <a:rPr lang="en-US" b="1" dirty="0" smtClean="0"/>
-              <a:t> OpenEM and TI Implementation</a:t>
-            </a:r>
-            <a:endParaRPr lang="en-US" b="1" dirty="0" smtClean="0"/>
+              <a:t>Understanding  OpenEM and TI Implementation</a:t>
+            </a:r>
           </a:p>
           <a:p>
             <a:pPr eaLnBrk="1" hangingPunct="1"/>
@@ -55297,7 +55128,6 @@
               <a:rPr lang="en-US" dirty="0" smtClean="0"/>
               <a:t>TI Example Code </a:t>
             </a:r>
-            <a:endParaRPr lang="en-US" dirty="0" smtClean="0"/>
           </a:p>
           <a:p>
             <a:pPr eaLnBrk="1" hangingPunct="1"/>
@@ -55305,7 +55135,6 @@
               <a:rPr lang="en-US" dirty="0" smtClean="0"/>
               <a:t>Benchmarks</a:t>
             </a:r>
-            <a:endParaRPr lang="en-US" dirty="0" smtClean="0"/>
           </a:p>
         </p:txBody>
       </p:sp>
@@ -55332,7 +55161,7 @@
               <a:pPr>
                 <a:defRPr/>
               </a:pPr>
-              <a:t>9/14/2012</a:t>
+              <a:t>10/4/2012</a:t>
             </a:fld>
             <a:endParaRPr lang="en-US" dirty="0"/>
           </a:p>
@@ -55602,7 +55431,7 @@
               <a:pPr>
                 <a:defRPr/>
               </a:pPr>
-              <a:t>9/13/2012</a:t>
+              <a:t>10/4/2012</a:t>
             </a:fld>
             <a:endParaRPr lang="en-US" dirty="0"/>
           </a:p>
@@ -55709,24 +55538,7 @@
                 <a:ea typeface="+mj-ea"/>
                 <a:cs typeface="+mj-cs"/>
               </a:rPr>
-              <a:t>ajor </a:t>
-            </a:r>
-            <a:r>
-              <a:rPr kumimoji="0" lang="en-US" sz="3200" b="1" i="0" u="none" strike="noStrike" kern="0" cap="none" spc="0" normalizeH="0" baseline="0" noProof="0" dirty="0" smtClean="0">
-                <a:ln>
-                  <a:noFill/>
-                </a:ln>
-                <a:solidFill>
-                  <a:srgbClr val="FF0000"/>
-                </a:solidFill>
-                <a:effectLst/>
-                <a:uLnTx/>
-                <a:uFillTx/>
-                <a:latin typeface="+mj-lt"/>
-                <a:ea typeface="+mj-ea"/>
-                <a:cs typeface="+mj-cs"/>
-              </a:rPr>
-              <a:t>Paradigm Shift</a:t>
+              <a:t>ajor Paradigm Shift</a:t>
             </a:r>
           </a:p>
         </p:txBody>
@@ -55815,7 +55627,7 @@
               <a:pPr>
                 <a:defRPr/>
               </a:pPr>
-              <a:t>9/13/2012</a:t>
+              <a:t>10/4/2012</a:t>
             </a:fld>
             <a:endParaRPr lang="en-US" dirty="0"/>
           </a:p>
@@ -55963,11 +55775,7 @@
             <a:pPr algn="l" eaLnBrk="1" hangingPunct="1"/>
             <a:r>
               <a:rPr lang="en-US" sz="1800" dirty="0" smtClean="0"/>
-              <a:t>Second stage of video processing (or any other multi-stage </a:t>
-            </a:r>
-            <a:r>
-              <a:rPr lang="en-US" sz="1800" dirty="0" smtClean="0"/>
-              <a:t>task)</a:t>
+              <a:t>Second stage of video processing (or any other multi-stage task)</a:t>
             </a:r>
           </a:p>
           <a:p>
@@ -55991,7 +55799,6 @@
               <a:rPr lang="en-US" sz="1800" dirty="0" smtClean="0"/>
               <a:t>Receive function is a function pointer to the processing algorithm. It is part of the Executable Object (EO) structure that is part of the Event</a:t>
             </a:r>
-            <a:endParaRPr lang="en-US" sz="1800" dirty="0" smtClean="0"/>
           </a:p>
         </p:txBody>
       </p:sp>
@@ -56186,7 +55993,7 @@
               <a:pPr>
                 <a:defRPr/>
               </a:pPr>
-              <a:t>9/13/2012</a:t>
+              <a:t>10/4/2012</a:t>
             </a:fld>
             <a:endParaRPr lang="en-US" dirty="0"/>
           </a:p>
